--- a/static/images/설비센서데이터분석시스템_소개_세로.pptx
+++ b/static/images/설비센서데이터분석시스템_소개_세로.pptx
@@ -5,51 +5,52 @@
     <p:sldMasterId id="2147483898" r:id="rId1"/>
   </p:sldMasterIdLst>
   <p:notesMasterIdLst>
-    <p:notesMasterId r:id="rId4"/>
+    <p:notesMasterId r:id="rId5"/>
   </p:notesMasterIdLst>
   <p:sldIdLst>
     <p:sldId id="281" r:id="rId2"/>
-    <p:sldId id="268" r:id="rId3"/>
+    <p:sldId id="282" r:id="rId3"/>
+    <p:sldId id="268" r:id="rId4"/>
   </p:sldIdLst>
   <p:sldSz cx="6858000" cy="9906000" type="A4"/>
   <p:notesSz cx="6858000" cy="9144000"/>
   <p:embeddedFontLst>
     <p:embeddedFont>
       <p:font typeface="Aharoni" panose="02010803020104030203" pitchFamily="2" charset="-79"/>
-      <p:bold r:id="rId5"/>
+      <p:bold r:id="rId6"/>
     </p:embeddedFont>
     <p:embeddedFont>
       <p:font typeface="Calibri" panose="020F0502020204030204" pitchFamily="34" charset="0"/>
-      <p:regular r:id="rId6"/>
-      <p:bold r:id="rId7"/>
-      <p:italic r:id="rId8"/>
-      <p:boldItalic r:id="rId9"/>
+      <p:regular r:id="rId7"/>
+      <p:bold r:id="rId8"/>
+      <p:italic r:id="rId9"/>
+      <p:boldItalic r:id="rId10"/>
     </p:embeddedFont>
     <p:embeddedFont>
       <p:font typeface="Calibri Light" panose="020F0302020204030204" pitchFamily="34" charset="0"/>
-      <p:regular r:id="rId10"/>
-      <p:italic r:id="rId11"/>
+      <p:regular r:id="rId11"/>
+      <p:italic r:id="rId12"/>
     </p:embeddedFont>
     <p:embeddedFont>
       <p:font typeface="HY헤드라인M" panose="02030600000101010101" pitchFamily="18" charset="-127"/>
-      <p:regular r:id="rId12"/>
+      <p:regular r:id="rId13"/>
     </p:embeddedFont>
     <p:embeddedFont>
       <p:font typeface="Wingdings 2" panose="05020102010507070707" pitchFamily="18" charset="2"/>
-      <p:regular r:id="rId13"/>
+      <p:regular r:id="rId14"/>
     </p:embeddedFont>
     <p:embeddedFont>
       <p:font typeface="맑은 고딕" panose="020B0503020000020004" pitchFamily="50" charset="-127"/>
-      <p:regular r:id="rId14"/>
-      <p:bold r:id="rId15"/>
+      <p:regular r:id="rId15"/>
+      <p:bold r:id="rId16"/>
     </p:embeddedFont>
     <p:embeddedFont>
       <p:font typeface="서울한강체 B" panose="02020503020101020101" pitchFamily="18" charset="-127"/>
-      <p:regular r:id="rId16"/>
+      <p:regular r:id="rId17"/>
     </p:embeddedFont>
     <p:embeddedFont>
       <p:font typeface="서울한강체 L" panose="02020503020101020101" pitchFamily="18" charset="-127"/>
-      <p:regular r:id="rId17"/>
+      <p:regular r:id="rId18"/>
     </p:embeddedFont>
   </p:embeddedFontLst>
   <p:defaultTextStyle>
@@ -505,6 +506,174 @@
     </a:lvl9pPr>
   </p:notesStyle>
 </p:notesMaster>
+</file>
+
+<file path=ppt/notesSlides/notesSlide1.xml><?xml version="1.0" encoding="utf-8"?>
+<p:notes xmlns:a="http://schemas.openxmlformats.org/drawingml/2006/main" xmlns:r="http://schemas.openxmlformats.org/officeDocument/2006/relationships" xmlns:p="http://schemas.openxmlformats.org/presentationml/2006/main">
+  <p:cSld>
+    <p:spTree>
+      <p:nvGrpSpPr>
+        <p:cNvPr id="1" name=""/>
+        <p:cNvGrpSpPr/>
+        <p:nvPr/>
+      </p:nvGrpSpPr>
+      <p:grpSpPr>
+        <a:xfrm>
+          <a:off x="0" y="0"/>
+          <a:ext cx="0" cy="0"/>
+          <a:chOff x="0" y="0"/>
+          <a:chExt cx="0" cy="0"/>
+        </a:xfrm>
+      </p:grpSpPr>
+      <p:sp>
+        <p:nvSpPr>
+          <p:cNvPr id="2" name="슬라이드 이미지 개체 틀 1"/>
+          <p:cNvSpPr>
+            <a:spLocks noGrp="1" noRot="1" noChangeAspect="1"/>
+          </p:cNvSpPr>
+          <p:nvPr>
+            <p:ph type="sldImg"/>
+          </p:nvPr>
+        </p:nvSpPr>
+        <p:spPr/>
+      </p:sp>
+      <p:sp>
+        <p:nvSpPr>
+          <p:cNvPr id="3" name="슬라이드 노트 개체 틀 2"/>
+          <p:cNvSpPr>
+            <a:spLocks noGrp="1"/>
+          </p:cNvSpPr>
+          <p:nvPr>
+            <p:ph type="body" idx="1"/>
+          </p:nvPr>
+        </p:nvSpPr>
+        <p:spPr/>
+        <p:txBody>
+          <a:bodyPr/>
+          <a:lstStyle/>
+          <a:p>
+            <a:endParaRPr lang="ko-KR" altLang="en-US" dirty="0"/>
+          </a:p>
+        </p:txBody>
+      </p:sp>
+      <p:sp>
+        <p:nvSpPr>
+          <p:cNvPr id="4" name="슬라이드 번호 개체 틀 3"/>
+          <p:cNvSpPr>
+            <a:spLocks noGrp="1"/>
+          </p:cNvSpPr>
+          <p:nvPr>
+            <p:ph type="sldNum" sz="quarter" idx="5"/>
+          </p:nvPr>
+        </p:nvSpPr>
+        <p:spPr/>
+        <p:txBody>
+          <a:bodyPr/>
+          <a:lstStyle/>
+          <a:p>
+            <a:fld id="{BBFCEB7A-0FB1-4C0E-AD3F-8CFE408AA42A}" type="slidenum">
+              <a:rPr lang="ko-KR" altLang="en-US" smtClean="0"/>
+              <a:t>1</a:t>
+            </a:fld>
+            <a:endParaRPr lang="ko-KR" altLang="en-US"/>
+          </a:p>
+        </p:txBody>
+      </p:sp>
+    </p:spTree>
+    <p:extLst>
+      <p:ext uri="{BB962C8B-B14F-4D97-AF65-F5344CB8AC3E}">
+        <p14:creationId xmlns:p14="http://schemas.microsoft.com/office/powerpoint/2010/main" val="587489283"/>
+      </p:ext>
+    </p:extLst>
+  </p:cSld>
+  <p:clrMapOvr>
+    <a:masterClrMapping/>
+  </p:clrMapOvr>
+</p:notes>
+</file>
+
+<file path=ppt/notesSlides/notesSlide2.xml><?xml version="1.0" encoding="utf-8"?>
+<p:notes xmlns:a="http://schemas.openxmlformats.org/drawingml/2006/main" xmlns:r="http://schemas.openxmlformats.org/officeDocument/2006/relationships" xmlns:p="http://schemas.openxmlformats.org/presentationml/2006/main">
+  <p:cSld>
+    <p:spTree>
+      <p:nvGrpSpPr>
+        <p:cNvPr id="1" name=""/>
+        <p:cNvGrpSpPr/>
+        <p:nvPr/>
+      </p:nvGrpSpPr>
+      <p:grpSpPr>
+        <a:xfrm>
+          <a:off x="0" y="0"/>
+          <a:ext cx="0" cy="0"/>
+          <a:chOff x="0" y="0"/>
+          <a:chExt cx="0" cy="0"/>
+        </a:xfrm>
+      </p:grpSpPr>
+      <p:sp>
+        <p:nvSpPr>
+          <p:cNvPr id="2" name="슬라이드 이미지 개체 틀 1"/>
+          <p:cNvSpPr>
+            <a:spLocks noGrp="1" noRot="1" noChangeAspect="1"/>
+          </p:cNvSpPr>
+          <p:nvPr>
+            <p:ph type="sldImg"/>
+          </p:nvPr>
+        </p:nvSpPr>
+        <p:spPr/>
+      </p:sp>
+      <p:sp>
+        <p:nvSpPr>
+          <p:cNvPr id="3" name="슬라이드 노트 개체 틀 2"/>
+          <p:cNvSpPr>
+            <a:spLocks noGrp="1"/>
+          </p:cNvSpPr>
+          <p:nvPr>
+            <p:ph type="body" idx="1"/>
+          </p:nvPr>
+        </p:nvSpPr>
+        <p:spPr/>
+        <p:txBody>
+          <a:bodyPr/>
+          <a:lstStyle/>
+          <a:p>
+            <a:endParaRPr lang="ko-KR" altLang="en-US" dirty="0"/>
+          </a:p>
+        </p:txBody>
+      </p:sp>
+      <p:sp>
+        <p:nvSpPr>
+          <p:cNvPr id="4" name="슬라이드 번호 개체 틀 3"/>
+          <p:cNvSpPr>
+            <a:spLocks noGrp="1"/>
+          </p:cNvSpPr>
+          <p:nvPr>
+            <p:ph type="sldNum" sz="quarter" idx="5"/>
+          </p:nvPr>
+        </p:nvSpPr>
+        <p:spPr/>
+        <p:txBody>
+          <a:bodyPr/>
+          <a:lstStyle/>
+          <a:p>
+            <a:fld id="{BBFCEB7A-0FB1-4C0E-AD3F-8CFE408AA42A}" type="slidenum">
+              <a:rPr lang="ko-KR" altLang="en-US" smtClean="0"/>
+              <a:t>2</a:t>
+            </a:fld>
+            <a:endParaRPr lang="ko-KR" altLang="en-US"/>
+          </a:p>
+        </p:txBody>
+      </p:sp>
+    </p:spTree>
+    <p:extLst>
+      <p:ext uri="{BB962C8B-B14F-4D97-AF65-F5344CB8AC3E}">
+        <p14:creationId xmlns:p14="http://schemas.microsoft.com/office/powerpoint/2010/main" val="1205359157"/>
+      </p:ext>
+    </p:extLst>
+  </p:cSld>
+  <p:clrMapOvr>
+    <a:masterClrMapping/>
+  </p:clrMapOvr>
+</p:notes>
 </file>
 
 <file path=ppt/slideLayouts/slideLayout1.xml><?xml version="1.0" encoding="utf-8"?>
@@ -1778,8 +1947,8 @@
         </p:nvSpPr>
         <p:spPr>
           <a:xfrm>
-            <a:off x="2" y="475488"/>
-            <a:ext cx="6857998" cy="8955024"/>
+            <a:off x="260947" y="475488"/>
+            <a:ext cx="6336108" cy="8955024"/>
           </a:xfrm>
           <a:prstGeom prst="roundRect">
             <a:avLst>
@@ -1816,7 +1985,7 @@
           <a:lstStyle/>
           <a:p>
             <a:pPr algn="ctr"/>
-            <a:endParaRPr lang="ko-KR" altLang="en-US" sz="2600"/>
+            <a:endParaRPr lang="ko-KR" altLang="en-US" sz="2400"/>
           </a:p>
         </p:txBody>
       </p:sp>
@@ -1834,8 +2003,8 @@
         </p:nvSpPr>
         <p:spPr>
           <a:xfrm>
-            <a:off x="27628" y="974865"/>
-            <a:ext cx="6829114" cy="625877"/>
+            <a:off x="666424" y="974865"/>
+            <a:ext cx="5551520" cy="523220"/>
           </a:xfrm>
           <a:prstGeom prst="rect">
             <a:avLst/>
@@ -1850,7 +2019,7 @@
           <a:p>
             <a:pPr algn="ctr"/>
             <a:r>
-              <a:rPr lang="en-US" altLang="ko-KR" sz="3467" dirty="0">
+              <a:rPr lang="en-US" altLang="ko-KR" sz="2800" dirty="0">
                 <a:effectLst>
                   <a:outerShdw blurRad="38100" dist="38100" dir="2700000" algn="tl">
                     <a:srgbClr val="000000">
@@ -1863,7 +2032,7 @@
               </a:rPr>
               <a:t>Sensor Data Monitoring System</a:t>
             </a:r>
-            <a:endParaRPr lang="ko-KR" altLang="en-US" sz="3467" dirty="0">
+            <a:endParaRPr lang="ko-KR" altLang="en-US" sz="2800" dirty="0">
               <a:effectLst>
                 <a:outerShdw blurRad="38100" dist="38100" dir="2700000" algn="tl">
                   <a:srgbClr val="000000">
@@ -1891,8 +2060,8 @@
         </p:nvSpPr>
         <p:spPr>
           <a:xfrm>
-            <a:off x="2767596" y="5980586"/>
-            <a:ext cx="1374095" cy="536942"/>
+            <a:off x="2867784" y="5980586"/>
+            <a:ext cx="1173719" cy="461665"/>
           </a:xfrm>
           <a:prstGeom prst="rect">
             <a:avLst/>
@@ -1907,13 +2076,13 @@
           <a:p>
             <a:pPr algn="ctr"/>
             <a:r>
-              <a:rPr lang="en-US" altLang="ko-KR" sz="2889" dirty="0">
+              <a:rPr lang="en-US" altLang="ko-KR" sz="2400" dirty="0">
                 <a:latin typeface="Aharoni" panose="02010803020104030203" pitchFamily="2" charset="-79"/>
                 <a:cs typeface="Aharoni" panose="02010803020104030203" pitchFamily="2" charset="-79"/>
               </a:rPr>
               <a:t>Sensor</a:t>
             </a:r>
-            <a:endParaRPr lang="ko-KR" altLang="en-US" sz="2889" dirty="0">
+            <a:endParaRPr lang="ko-KR" altLang="en-US" sz="2400" dirty="0">
               <a:latin typeface="Aharoni" panose="02010803020104030203" pitchFamily="2" charset="-79"/>
               <a:cs typeface="Aharoni" panose="02010803020104030203" pitchFamily="2" charset="-79"/>
             </a:endParaRPr>
@@ -1934,8 +2103,8 @@
         </p:nvSpPr>
         <p:spPr>
           <a:xfrm>
-            <a:off x="2317152" y="7061912"/>
-            <a:ext cx="2274983" cy="536942"/>
+            <a:off x="2492681" y="7224153"/>
+            <a:ext cx="1923925" cy="461665"/>
           </a:xfrm>
           <a:prstGeom prst="rect">
             <a:avLst/>
@@ -1950,13 +2119,13 @@
           <a:p>
             <a:pPr algn="ctr"/>
             <a:r>
-              <a:rPr lang="en-US" altLang="ko-KR" sz="2889" dirty="0">
+              <a:rPr lang="en-US" altLang="ko-KR" sz="2400" dirty="0">
                 <a:latin typeface="Aharoni" panose="02010803020104030203" pitchFamily="2" charset="-79"/>
                 <a:cs typeface="Aharoni" panose="02010803020104030203" pitchFamily="2" charset="-79"/>
               </a:rPr>
               <a:t>Edge-device</a:t>
             </a:r>
-            <a:endParaRPr lang="ko-KR" altLang="en-US" sz="2889" dirty="0">
+            <a:endParaRPr lang="ko-KR" altLang="en-US" sz="2400" dirty="0">
               <a:latin typeface="Aharoni" panose="02010803020104030203" pitchFamily="2" charset="-79"/>
               <a:cs typeface="Aharoni" panose="02010803020104030203" pitchFamily="2" charset="-79"/>
             </a:endParaRPr>
@@ -1977,8 +2146,8 @@
         </p:nvSpPr>
         <p:spPr>
           <a:xfrm>
-            <a:off x="2293909" y="8143239"/>
-            <a:ext cx="2321469" cy="536942"/>
+            <a:off x="2472644" y="8467718"/>
+            <a:ext cx="1963999" cy="461665"/>
           </a:xfrm>
           <a:prstGeom prst="rect">
             <a:avLst/>
@@ -1993,13 +2162,13 @@
           <a:p>
             <a:pPr algn="ctr"/>
             <a:r>
-              <a:rPr lang="en-US" altLang="ko-KR" sz="2889" dirty="0">
+              <a:rPr lang="en-US" altLang="ko-KR" sz="2400" dirty="0">
                 <a:latin typeface="Aharoni" panose="02010803020104030203" pitchFamily="2" charset="-79"/>
                 <a:cs typeface="Aharoni" panose="02010803020104030203" pitchFamily="2" charset="-79"/>
               </a:rPr>
               <a:t>SaaS Server</a:t>
             </a:r>
-            <a:endParaRPr lang="ko-KR" altLang="en-US" sz="2889" dirty="0">
+            <a:endParaRPr lang="ko-KR" altLang="en-US" sz="2400" dirty="0">
               <a:latin typeface="Aharoni" panose="02010803020104030203" pitchFamily="2" charset="-79"/>
               <a:cs typeface="Aharoni" panose="02010803020104030203" pitchFamily="2" charset="-79"/>
             </a:endParaRPr>
@@ -2041,7 +2210,7 @@
             <p:nvPr/>
           </p:nvPicPr>
           <p:blipFill>
-            <a:blip r:embed="rId2">
+            <a:blip r:embed="rId3">
               <a:duotone>
                 <a:schemeClr val="bg2">
                   <a:shade val="45000"/>
@@ -2084,7 +2253,7 @@
             <p:nvPr/>
           </p:nvPicPr>
           <p:blipFill>
-            <a:blip r:embed="rId3">
+            <a:blip r:embed="rId4">
               <a:lum bright="70000" contrast="-70000"/>
               <a:extLst>
                 <a:ext uri="{28A0092B-C50C-407E-A947-70E740481C1C}">
@@ -2121,7 +2290,7 @@
             <p:nvPr/>
           </p:nvPicPr>
           <p:blipFill>
-            <a:blip r:embed="rId4">
+            <a:blip r:embed="rId5">
               <a:lum bright="70000" contrast="-70000"/>
               <a:extLst>
                 <a:ext uri="{28A0092B-C50C-407E-A947-70E740481C1C}">
@@ -2158,7 +2327,7 @@
             <p:nvPr/>
           </p:nvPicPr>
           <p:blipFill>
-            <a:blip r:embed="rId5">
+            <a:blip r:embed="rId6">
               <a:extLst>
                 <a:ext uri="{28A0092B-C50C-407E-A947-70E740481C1C}">
                   <a14:useLocalDpi xmlns:a14="http://schemas.microsoft.com/office/drawing/2010/main" val="0"/>
@@ -2194,7 +2363,7 @@
             <p:nvPr/>
           </p:nvPicPr>
           <p:blipFill>
-            <a:blip r:embed="rId5">
+            <a:blip r:embed="rId6">
               <a:extLst>
                 <a:ext uri="{28A0092B-C50C-407E-A947-70E740481C1C}">
                   <a14:useLocalDpi xmlns:a14="http://schemas.microsoft.com/office/drawing/2010/main" val="0"/>
@@ -2230,7 +2399,7 @@
             <p:nvPr/>
           </p:nvPicPr>
           <p:blipFill>
-            <a:blip r:embed="rId5">
+            <a:blip r:embed="rId6">
               <a:extLst>
                 <a:ext uri="{28A0092B-C50C-407E-A947-70E740481C1C}">
                   <a14:useLocalDpi xmlns:a14="http://schemas.microsoft.com/office/drawing/2010/main" val="0"/>
@@ -2266,7 +2435,7 @@
             <p:nvPr/>
           </p:nvPicPr>
           <p:blipFill rotWithShape="1">
-            <a:blip r:embed="rId6">
+            <a:blip r:embed="rId7">
               <a:duotone>
                 <a:schemeClr val="accent1">
                   <a:shade val="45000"/>
@@ -2277,7 +2446,7 @@
               <a:extLst>
                 <a:ext uri="{BEBA8EAE-BF5A-486C-A8C5-ECC9F3942E4B}">
                   <a14:imgProps xmlns:a14="http://schemas.microsoft.com/office/drawing/2010/main">
-                    <a14:imgLayer r:embed="rId7">
+                    <a14:imgLayer r:embed="rId8">
                       <a14:imgEffect>
                         <a14:colorTemperature colorTemp="11200"/>
                       </a14:imgEffect>
@@ -2508,7 +2677,7 @@
             <p:nvPr/>
           </p:nvPicPr>
           <p:blipFill>
-            <a:blip r:embed="rId8">
+            <a:blip r:embed="rId9">
               <a:extLst>
                 <a:ext uri="{28A0092B-C50C-407E-A947-70E740481C1C}">
                   <a14:useLocalDpi xmlns:a14="http://schemas.microsoft.com/office/drawing/2010/main" val="0"/>
@@ -2544,7 +2713,7 @@
             <p:nvPr/>
           </p:nvPicPr>
           <p:blipFill>
-            <a:blip r:embed="rId8">
+            <a:blip r:embed="rId9">
               <a:extLst>
                 <a:ext uri="{28A0092B-C50C-407E-A947-70E740481C1C}">
                   <a14:useLocalDpi xmlns:a14="http://schemas.microsoft.com/office/drawing/2010/main" val="0"/>
@@ -2580,7 +2749,7 @@
             <p:nvPr/>
           </p:nvPicPr>
           <p:blipFill>
-            <a:blip r:embed="rId8">
+            <a:blip r:embed="rId9">
               <a:extLst>
                 <a:ext uri="{28A0092B-C50C-407E-A947-70E740481C1C}">
                   <a14:useLocalDpi xmlns:a14="http://schemas.microsoft.com/office/drawing/2010/main" val="0"/>
@@ -2760,7 +2929,7 @@
             <p:nvPr/>
           </p:nvPicPr>
           <p:blipFill>
-            <a:blip r:embed="rId9">
+            <a:blip r:embed="rId10">
               <a:duotone>
                 <a:schemeClr val="accent1">
                   <a:shade val="45000"/>
@@ -2803,7 +2972,7 @@
             <p:nvPr/>
           </p:nvPicPr>
           <p:blipFill>
-            <a:blip r:embed="rId10">
+            <a:blip r:embed="rId11">
               <a:duotone>
                 <a:schemeClr val="bg2">
                   <a:shade val="45000"/>
@@ -2846,7 +3015,7 @@
             <p:nvPr/>
           </p:nvPicPr>
           <p:blipFill>
-            <a:blip r:embed="rId10">
+            <a:blip r:embed="rId11">
               <a:duotone>
                 <a:schemeClr val="bg2">
                   <a:shade val="45000"/>
@@ -2889,7 +3058,7 @@
             <p:nvPr/>
           </p:nvPicPr>
           <p:blipFill>
-            <a:blip r:embed="rId11">
+            <a:blip r:embed="rId12">
               <a:extLst>
                 <a:ext uri="{28A0092B-C50C-407E-A947-70E740481C1C}">
                   <a14:useLocalDpi xmlns:a14="http://schemas.microsoft.com/office/drawing/2010/main" val="0"/>
@@ -2925,7 +3094,7 @@
         </p:nvSpPr>
         <p:spPr>
           <a:xfrm>
-            <a:off x="3099816" y="6476326"/>
+            <a:off x="3099816" y="6519808"/>
             <a:ext cx="484632" cy="626788"/>
           </a:xfrm>
           <a:prstGeom prst="upDownArrow">
@@ -2956,7 +3125,7 @@
           <a:lstStyle/>
           <a:p>
             <a:pPr algn="ctr"/>
-            <a:endParaRPr lang="ko-KR" altLang="en-US"/>
+            <a:endParaRPr lang="ko-KR" altLang="en-US" sz="1600"/>
           </a:p>
         </p:txBody>
       </p:sp>
@@ -2974,7 +3143,7 @@
         </p:nvSpPr>
         <p:spPr>
           <a:xfrm>
-            <a:off x="3099816" y="7557652"/>
+            <a:off x="3099816" y="7763375"/>
             <a:ext cx="484632" cy="626788"/>
           </a:xfrm>
           <a:prstGeom prst="upDownArrow">
@@ -3005,7 +3174,7 @@
           <a:lstStyle/>
           <a:p>
             <a:pPr algn="ctr"/>
-            <a:endParaRPr lang="ko-KR" altLang="en-US"/>
+            <a:endParaRPr lang="ko-KR" altLang="en-US" sz="1600"/>
           </a:p>
         </p:txBody>
       </p:sp>
@@ -3023,6 +3192,79 @@
 </file>
 
 <file path=ppt/slides/slide2.xml><?xml version="1.0" encoding="utf-8"?>
+<p:sld xmlns:a="http://schemas.openxmlformats.org/drawingml/2006/main" xmlns:r="http://schemas.openxmlformats.org/officeDocument/2006/relationships" xmlns:p="http://schemas.openxmlformats.org/presentationml/2006/main">
+  <p:cSld>
+    <p:spTree>
+      <p:nvGrpSpPr>
+        <p:cNvPr id="1" name=""/>
+        <p:cNvGrpSpPr/>
+        <p:nvPr/>
+      </p:nvGrpSpPr>
+      <p:grpSpPr>
+        <a:xfrm>
+          <a:off x="0" y="0"/>
+          <a:ext cx="0" cy="0"/>
+          <a:chOff x="0" y="0"/>
+          <a:chExt cx="0" cy="0"/>
+        </a:xfrm>
+      </p:grpSpPr>
+      <p:pic>
+        <p:nvPicPr>
+          <p:cNvPr id="6" name="그림 5">
+            <a:extLst>
+              <a:ext uri="{FF2B5EF4-FFF2-40B4-BE49-F238E27FC236}">
+                <a16:creationId xmlns:a16="http://schemas.microsoft.com/office/drawing/2014/main" id="{C807D1BF-254D-460C-AA90-DB36CF979FE2}"/>
+              </a:ext>
+            </a:extLst>
+          </p:cNvPr>
+          <p:cNvPicPr>
+            <a:picLocks noChangeAspect="1"/>
+          </p:cNvPicPr>
+          <p:nvPr/>
+        </p:nvPicPr>
+        <p:blipFill>
+          <a:blip r:embed="rId3">
+            <a:clrChange>
+              <a:clrFrom>
+                <a:srgbClr val="000000">
+                  <a:alpha val="0"/>
+                </a:srgbClr>
+              </a:clrFrom>
+              <a:clrTo>
+                <a:srgbClr val="000000">
+                  <a:alpha val="0"/>
+                </a:srgbClr>
+              </a:clrTo>
+            </a:clrChange>
+          </a:blip>
+          <a:stretch>
+            <a:fillRect/>
+          </a:stretch>
+        </p:blipFill>
+        <p:spPr>
+          <a:xfrm>
+            <a:off x="243564" y="456810"/>
+            <a:ext cx="6370872" cy="8992379"/>
+          </a:xfrm>
+          <a:prstGeom prst="rect">
+            <a:avLst/>
+          </a:prstGeom>
+        </p:spPr>
+      </p:pic>
+    </p:spTree>
+    <p:extLst>
+      <p:ext uri="{BB962C8B-B14F-4D97-AF65-F5344CB8AC3E}">
+        <p14:creationId xmlns:p14="http://schemas.microsoft.com/office/powerpoint/2010/main" val="980161353"/>
+      </p:ext>
+    </p:extLst>
+  </p:cSld>
+  <p:clrMapOvr>
+    <a:masterClrMapping/>
+  </p:clrMapOvr>
+</p:sld>
+</file>
+
+<file path=ppt/slides/slide3.xml><?xml version="1.0" encoding="utf-8"?>
 <p:sld xmlns:a="http://schemas.openxmlformats.org/drawingml/2006/main" xmlns:r="http://schemas.openxmlformats.org/officeDocument/2006/relationships" xmlns:p="http://schemas.openxmlformats.org/presentationml/2006/main">
   <p:cSld>
     <p:spTree>
